--- a/KPatterson_DDS-CaseStudy1.pptx
+++ b/KPatterson_DDS-CaseStudy1.pptx
@@ -5,7 +5,7 @@
     <p:sldMasterId id="2147483744" r:id="rId1"/>
   </p:sldMasterIdLst>
   <p:notesMasterIdLst>
-    <p:notesMasterId r:id="rId12"/>
+    <p:notesMasterId r:id="rId13"/>
   </p:notesMasterIdLst>
   <p:sldIdLst>
     <p:sldId id="265" r:id="rId2"/>
@@ -18,6 +18,7 @@
     <p:sldId id="271" r:id="rId9"/>
     <p:sldId id="269" r:id="rId10"/>
     <p:sldId id="272" r:id="rId11"/>
+    <p:sldId id="273" r:id="rId12"/>
   </p:sldIdLst>
   <p:sldSz cx="12192000" cy="6858000"/>
   <p:notesSz cx="6858000" cy="9144000"/>
@@ -8194,7 +8195,7 @@
           <a:p>
             <a:fld id="{23D68F8B-BE05-9B4B-A04F-E25EC426D347}" type="datetimeFigureOut">
               <a:rPr lang="en-US" smtClean="0"/>
-              <a:t>10/20/18</a:t>
+              <a:t>10/21/18</a:t>
             </a:fld>
             <a:endParaRPr lang="en-US" dirty="0"/>
           </a:p>
@@ -8956,7 +8957,7 @@
           <a:p>
             <a:fld id="{208954E8-2DC3-9145-B018-9286BF315E8C}" type="datetime1">
               <a:rPr lang="en-US" smtClean="0"/>
-              <a:t>10/20/18</a:t>
+              <a:t>10/21/18</a:t>
             </a:fld>
             <a:endParaRPr lang="en-US" dirty="0"/>
           </a:p>
@@ -9154,7 +9155,7 @@
           <a:p>
             <a:fld id="{C72E517D-AB08-C447-9562-245E14AD3E32}" type="datetime1">
               <a:rPr lang="en-US" smtClean="0"/>
-              <a:t>10/20/18</a:t>
+              <a:t>10/21/18</a:t>
             </a:fld>
             <a:endParaRPr lang="en-US" dirty="0"/>
           </a:p>
@@ -9362,7 +9363,7 @@
           <a:p>
             <a:fld id="{B46BF992-2F68-A144-AA19-852D634D9144}" type="datetime1">
               <a:rPr lang="en-US" smtClean="0"/>
-              <a:t>10/20/18</a:t>
+              <a:t>10/21/18</a:t>
             </a:fld>
             <a:endParaRPr lang="en-US" dirty="0"/>
           </a:p>
@@ -9560,7 +9561,7 @@
           <a:p>
             <a:fld id="{3D349936-BCB1-044A-8E93-FBBA597BC516}" type="datetime1">
               <a:rPr lang="en-US" smtClean="0"/>
-              <a:t>10/20/18</a:t>
+              <a:t>10/21/18</a:t>
             </a:fld>
             <a:endParaRPr lang="en-US" dirty="0"/>
           </a:p>
@@ -9835,7 +9836,7 @@
           <a:p>
             <a:fld id="{90DAB5F1-9ED4-0745-89C2-5F83A02F6C2A}" type="datetime1">
               <a:rPr lang="en-US" smtClean="0"/>
-              <a:t>10/20/18</a:t>
+              <a:t>10/21/18</a:t>
             </a:fld>
             <a:endParaRPr lang="en-US" dirty="0"/>
           </a:p>
@@ -10100,7 +10101,7 @@
           <a:p>
             <a:fld id="{C9994319-5BCD-A94F-8793-9F21E99B40BF}" type="datetime1">
               <a:rPr lang="en-US" smtClean="0"/>
-              <a:t>10/20/18</a:t>
+              <a:t>10/21/18</a:t>
             </a:fld>
             <a:endParaRPr lang="en-US" dirty="0"/>
           </a:p>
@@ -10512,7 +10513,7 @@
           <a:p>
             <a:fld id="{1086028E-522D-7646-9FD1-5E85D98C991B}" type="datetime1">
               <a:rPr lang="en-US" smtClean="0"/>
-              <a:t>10/20/18</a:t>
+              <a:t>10/21/18</a:t>
             </a:fld>
             <a:endParaRPr lang="en-US" dirty="0"/>
           </a:p>
@@ -10653,7 +10654,7 @@
           <a:p>
             <a:fld id="{009EDBC8-E7B5-7C42-B1FC-7319B1F139FF}" type="datetime1">
               <a:rPr lang="en-US" smtClean="0"/>
-              <a:t>10/20/18</a:t>
+              <a:t>10/21/18</a:t>
             </a:fld>
             <a:endParaRPr lang="en-US" dirty="0"/>
           </a:p>
@@ -10766,7 +10767,7 @@
           <a:p>
             <a:fld id="{598D8FBF-971D-424D-BD4F-67368DEC411D}" type="datetime1">
               <a:rPr lang="en-US" smtClean="0"/>
-              <a:t>10/20/18</a:t>
+              <a:t>10/21/18</a:t>
             </a:fld>
             <a:endParaRPr lang="en-US" dirty="0"/>
           </a:p>
@@ -11077,7 +11078,7 @@
           <a:p>
             <a:fld id="{BC38BC98-B9D6-D24E-9660-255395B71B8B}" type="datetime1">
               <a:rPr lang="en-US" smtClean="0"/>
-              <a:t>10/20/18</a:t>
+              <a:t>10/21/18</a:t>
             </a:fld>
             <a:endParaRPr lang="en-US" dirty="0"/>
           </a:p>
@@ -11365,7 +11366,7 @@
           <a:p>
             <a:fld id="{3022752F-F65E-A547-8920-EB565CB4E485}" type="datetime1">
               <a:rPr lang="en-US" smtClean="0"/>
-              <a:t>10/20/18</a:t>
+              <a:t>10/21/18</a:t>
             </a:fld>
             <a:endParaRPr lang="en-US" dirty="0"/>
           </a:p>
@@ -11606,7 +11607,7 @@
           <a:p>
             <a:fld id="{0BEEBEA2-DDBB-FF4B-B2BA-1926DE33FEB4}" type="datetime1">
               <a:rPr lang="en-US" smtClean="0"/>
-              <a:t>10/20/18</a:t>
+              <a:t>10/21/18</a:t>
             </a:fld>
             <a:endParaRPr lang="en-US" dirty="0"/>
           </a:p>
@@ -12776,6 +12777,280 @@
     <p:extLst>
       <p:ext uri="{BB962C8B-B14F-4D97-AF65-F5344CB8AC3E}">
         <p14:creationId xmlns:p14="http://schemas.microsoft.com/office/powerpoint/2010/main" val="3671900366"/>
+      </p:ext>
+    </p:extLst>
+  </p:cSld>
+  <p:clrMapOvr>
+    <a:masterClrMapping/>
+  </p:clrMapOvr>
+</p:sld>
+</file>
+
+<file path=ppt/slides/slide11.xml><?xml version="1.0" encoding="utf-8"?>
+<p:sld xmlns:a="http://schemas.openxmlformats.org/drawingml/2006/main" xmlns:r="http://schemas.openxmlformats.org/officeDocument/2006/relationships" xmlns:p="http://schemas.openxmlformats.org/presentationml/2006/main">
+  <p:cSld>
+    <p:spTree>
+      <p:nvGrpSpPr>
+        <p:cNvPr id="1" name=""/>
+        <p:cNvGrpSpPr/>
+        <p:nvPr/>
+      </p:nvGrpSpPr>
+      <p:grpSpPr>
+        <a:xfrm>
+          <a:off x="0" y="0"/>
+          <a:ext cx="0" cy="0"/>
+          <a:chOff x="0" y="0"/>
+          <a:chExt cx="0" cy="0"/>
+        </a:xfrm>
+      </p:grpSpPr>
+      <p:sp>
+        <p:nvSpPr>
+          <p:cNvPr id="7" name="Rectangle 6">
+            <a:extLst>
+              <a:ext uri="{FF2B5EF4-FFF2-40B4-BE49-F238E27FC236}">
+                <a16:creationId xmlns:a16="http://schemas.microsoft.com/office/drawing/2014/main" id="{DB73B5B4-177D-4893-9D27-EA5EF0A62DC0}"/>
+              </a:ext>
+            </a:extLst>
+          </p:cNvPr>
+          <p:cNvSpPr/>
+          <p:nvPr/>
+        </p:nvSpPr>
+        <p:spPr>
+          <a:xfrm>
+            <a:off x="11502" y="15815"/>
+            <a:ext cx="12180498" cy="574120"/>
+          </a:xfrm>
+          <a:prstGeom prst="rect">
+            <a:avLst/>
+          </a:prstGeom>
+          <a:gradFill>
+            <a:gsLst>
+              <a:gs pos="0">
+                <a:schemeClr val="accent1">
+                  <a:lumMod val="5000"/>
+                  <a:lumOff val="95000"/>
+                </a:schemeClr>
+              </a:gs>
+              <a:gs pos="70000">
+                <a:schemeClr val="tx2">
+                  <a:lumMod val="75000"/>
+                </a:schemeClr>
+              </a:gs>
+              <a:gs pos="33000">
+                <a:schemeClr val="bg2">
+                  <a:lumMod val="90000"/>
+                </a:schemeClr>
+              </a:gs>
+              <a:gs pos="100000">
+                <a:schemeClr val="tx2">
+                  <a:lumMod val="75000"/>
+                </a:schemeClr>
+              </a:gs>
+            </a:gsLst>
+            <a:lin ang="0" scaled="0"/>
+          </a:gradFill>
+        </p:spPr>
+        <p:style>
+          <a:lnRef idx="2">
+            <a:schemeClr val="accent1">
+              <a:shade val="50000"/>
+            </a:schemeClr>
+          </a:lnRef>
+          <a:fillRef idx="1">
+            <a:schemeClr val="accent1"/>
+          </a:fillRef>
+          <a:effectRef idx="0">
+            <a:schemeClr val="accent1"/>
+          </a:effectRef>
+          <a:fontRef idx="minor">
+            <a:schemeClr val="lt1"/>
+          </a:fontRef>
+        </p:style>
+        <p:txBody>
+          <a:bodyPr rtlCol="0" anchor="ctr"/>
+          <a:lstStyle/>
+          <a:p>
+            <a:pPr algn="ctr"/>
+            <a:endParaRPr lang="en-US" dirty="0"/>
+          </a:p>
+        </p:txBody>
+      </p:sp>
+      <p:pic>
+        <p:nvPicPr>
+          <p:cNvPr id="2" name="Picture 2" descr="A close up of a logo&#10;&#10;Description generated with very high confidence">
+            <a:extLst>
+              <a:ext uri="{FF2B5EF4-FFF2-40B4-BE49-F238E27FC236}">
+                <a16:creationId xmlns:a16="http://schemas.microsoft.com/office/drawing/2014/main" id="{CF8A1D13-8D9F-4915-951B-6E3CB325B228}"/>
+              </a:ext>
+            </a:extLst>
+          </p:cNvPr>
+          <p:cNvPicPr>
+            <a:picLocks noChangeAspect="1"/>
+          </p:cNvPicPr>
+          <p:nvPr/>
+        </p:nvPicPr>
+        <p:blipFill>
+          <a:blip r:embed="rId2"/>
+          <a:stretch>
+            <a:fillRect/>
+          </a:stretch>
+        </p:blipFill>
+        <p:spPr>
+          <a:xfrm>
+            <a:off x="11556124" y="15815"/>
+            <a:ext cx="635876" cy="576076"/>
+          </a:xfrm>
+          <a:prstGeom prst="rect">
+            <a:avLst/>
+          </a:prstGeom>
+        </p:spPr>
+      </p:pic>
+      <p:sp>
+        <p:nvSpPr>
+          <p:cNvPr id="5" name="TextBox 4">
+            <a:extLst>
+              <a:ext uri="{FF2B5EF4-FFF2-40B4-BE49-F238E27FC236}">
+                <a16:creationId xmlns:a16="http://schemas.microsoft.com/office/drawing/2014/main" id="{344C1BEB-CA8D-2644-A95A-3B1ED9FFCCF5}"/>
+              </a:ext>
+            </a:extLst>
+          </p:cNvPr>
+          <p:cNvSpPr txBox="1"/>
+          <p:nvPr/>
+        </p:nvSpPr>
+        <p:spPr>
+          <a:xfrm>
+            <a:off x="11501" y="72042"/>
+            <a:ext cx="6084499" cy="523220"/>
+          </a:xfrm>
+          <a:prstGeom prst="rect">
+            <a:avLst/>
+          </a:prstGeom>
+          <a:noFill/>
+        </p:spPr>
+        <p:txBody>
+          <a:bodyPr wrap="square" rtlCol="0">
+            <a:spAutoFit/>
+          </a:bodyPr>
+          <a:lstStyle/>
+          <a:p>
+            <a:r>
+              <a:rPr lang="en-US" sz="2800" dirty="0" err="1">
+                <a:solidFill>
+                  <a:schemeClr val="tx1">
+                    <a:lumMod val="50000"/>
+                    <a:lumOff val="50000"/>
+                  </a:schemeClr>
+                </a:solidFill>
+                <a:effectLst>
+                  <a:outerShdw blurRad="50800" dist="63500" dir="17520000" algn="ctr" rotWithShape="0">
+                    <a:schemeClr val="tx1"/>
+                  </a:outerShdw>
+                </a:effectLst>
+              </a:rPr>
+              <a:t>Youtube</a:t>
+            </a:r>
+            <a:r>
+              <a:rPr lang="en-US" sz="2800" dirty="0">
+                <a:solidFill>
+                  <a:schemeClr val="tx1">
+                    <a:lumMod val="50000"/>
+                    <a:lumOff val="50000"/>
+                  </a:schemeClr>
+                </a:solidFill>
+                <a:effectLst>
+                  <a:outerShdw blurRad="50800" dist="63500" dir="17520000" algn="ctr" rotWithShape="0">
+                    <a:schemeClr val="tx1"/>
+                  </a:outerShdw>
+                </a:effectLst>
+              </a:rPr>
+              <a:t> Video Presentation</a:t>
+            </a:r>
+          </a:p>
+        </p:txBody>
+      </p:sp>
+      <p:sp>
+        <p:nvSpPr>
+          <p:cNvPr id="6" name="Slide Number Placeholder 5">
+            <a:extLst>
+              <a:ext uri="{FF2B5EF4-FFF2-40B4-BE49-F238E27FC236}">
+                <a16:creationId xmlns:a16="http://schemas.microsoft.com/office/drawing/2014/main" id="{FF799F70-B972-2A49-8EBB-F69C96194502}"/>
+              </a:ext>
+            </a:extLst>
+          </p:cNvPr>
+          <p:cNvSpPr>
+            <a:spLocks noGrp="1"/>
+          </p:cNvSpPr>
+          <p:nvPr>
+            <p:ph type="sldNum" sz="quarter" idx="12"/>
+          </p:nvPr>
+        </p:nvSpPr>
+        <p:spPr/>
+        <p:txBody>
+          <a:bodyPr/>
+          <a:lstStyle/>
+          <a:p>
+            <a:fld id="{330EA680-D336-4FF7-8B7A-9848BB0A1C32}" type="slidenum">
+              <a:rPr lang="en-US" smtClean="0"/>
+              <a:t>11</a:t>
+            </a:fld>
+            <a:endParaRPr lang="en-US" dirty="0"/>
+          </a:p>
+        </p:txBody>
+      </p:sp>
+      <p:sp>
+        <p:nvSpPr>
+          <p:cNvPr id="8" name="TextBox 7">
+            <a:extLst>
+              <a:ext uri="{FF2B5EF4-FFF2-40B4-BE49-F238E27FC236}">
+                <a16:creationId xmlns:a16="http://schemas.microsoft.com/office/drawing/2014/main" id="{C052925C-2C3F-1E45-B9F0-CAB86CF231AD}"/>
+              </a:ext>
+            </a:extLst>
+          </p:cNvPr>
+          <p:cNvSpPr txBox="1"/>
+          <p:nvPr/>
+        </p:nvSpPr>
+        <p:spPr>
+          <a:xfrm>
+            <a:off x="3910956" y="1380729"/>
+            <a:ext cx="4370087" cy="923330"/>
+          </a:xfrm>
+          <a:prstGeom prst="rect">
+            <a:avLst/>
+          </a:prstGeom>
+          <a:noFill/>
+        </p:spPr>
+        <p:txBody>
+          <a:bodyPr wrap="square" rtlCol="0">
+            <a:spAutoFit/>
+          </a:bodyPr>
+          <a:lstStyle/>
+          <a:p>
+            <a:pPr lvl="1" algn="ctr"/>
+            <a:r>
+              <a:rPr lang="en-US" dirty="0">
+                <a:hlinkClick r:id="rId3"/>
+              </a:rPr>
+              <a:t>DDS-CaseStudy1-Youtube</a:t>
+            </a:r>
+            <a:endParaRPr lang="en-US" dirty="0"/>
+          </a:p>
+          <a:p>
+            <a:pPr marL="742950" lvl="1" indent="-285750">
+              <a:buFont typeface="Arial" panose="020B0604020202020204" pitchFamily="34" charset="0"/>
+              <a:buChar char="•"/>
+            </a:pPr>
+            <a:endParaRPr lang="en-US" dirty="0"/>
+          </a:p>
+          <a:p>
+            <a:pPr lvl="1"/>
+            <a:endParaRPr lang="en-US" dirty="0"/>
+          </a:p>
+        </p:txBody>
+      </p:sp>
+    </p:spTree>
+    <p:extLst>
+      <p:ext uri="{BB962C8B-B14F-4D97-AF65-F5344CB8AC3E}">
+        <p14:creationId xmlns:p14="http://schemas.microsoft.com/office/powerpoint/2010/main" val="995729729"/>
       </p:ext>
     </p:extLst>
   </p:cSld>
